--- a/nyc_taxis.pptx
+++ b/nyc_taxis.pptx
@@ -10,6 +10,7 @@
     <p:sldId id="258" r:id="rId4"/>
     <p:sldId id="259" r:id="rId5"/>
     <p:sldId id="260" r:id="rId6"/>
+    <p:sldId id="261" r:id="rId7"/>
   </p:sldIdLst>
   <p:sldSz cx="12192000" cy="6858000"/>
   <p:notesSz cx="6858000" cy="9144000"/>
@@ -108,6 +109,11 @@
       </a:defRPr>
     </a:lvl9pPr>
   </p:defaultTextStyle>
+  <p:extLst>
+    <p:ext uri="{EFAFB233-063F-42B5-8137-9DF3F51BA10A}">
+      <p15:sldGuideLst xmlns:p15="http://schemas.microsoft.com/office/powerpoint/2012/main"/>
+    </p:ext>
+  </p:extLst>
 </p:presentation>
 </file>
 
@@ -296,9 +302,9 @@
           <a:p>
             <a:fld id="{5F148F3B-C8A6-4795-B810-D84C619C43F8}" type="datetimeFigureOut">
               <a:rPr lang="en-US" smtClean="0"/>
-              <a:t>8/8/2018</a:t>
+              <a:t>8/9/2018</a:t>
             </a:fld>
-            <a:endParaRPr lang="en-US"/>
+            <a:endParaRPr lang="en-US" dirty="0"/>
           </a:p>
         </p:txBody>
       </p:sp>
@@ -317,7 +323,7 @@
           <a:bodyPr/>
           <a:lstStyle/>
           <a:p>
-            <a:endParaRPr lang="en-US"/>
+            <a:endParaRPr lang="en-US" dirty="0"/>
           </a:p>
         </p:txBody>
       </p:sp>
@@ -340,7 +346,7 @@
               <a:rPr lang="en-US" smtClean="0"/>
               <a:t>‹#›</a:t>
             </a:fld>
-            <a:endParaRPr lang="en-US"/>
+            <a:endParaRPr lang="en-US" dirty="0"/>
           </a:p>
         </p:txBody>
       </p:sp>
@@ -505,10 +511,9 @@
           </a:lstStyle>
           <a:p>
             <a:r>
-              <a:rPr lang="en-US"/>
+              <a:rPr lang="en-US" dirty="0"/>
               <a:t>Click icon to add picture</a:t>
             </a:r>
-            <a:endParaRPr lang="en-US" dirty="0"/>
           </a:p>
         </p:txBody>
       </p:sp>
@@ -594,9 +599,9 @@
           <a:p>
             <a:fld id="{5F148F3B-C8A6-4795-B810-D84C619C43F8}" type="datetimeFigureOut">
               <a:rPr lang="en-US" smtClean="0"/>
-              <a:t>8/8/2018</a:t>
+              <a:t>8/9/2018</a:t>
             </a:fld>
-            <a:endParaRPr lang="en-US"/>
+            <a:endParaRPr lang="en-US" dirty="0"/>
           </a:p>
         </p:txBody>
       </p:sp>
@@ -615,7 +620,7 @@
           <a:bodyPr/>
           <a:lstStyle/>
           <a:p>
-            <a:endParaRPr lang="en-US"/>
+            <a:endParaRPr lang="en-US" dirty="0"/>
           </a:p>
         </p:txBody>
       </p:sp>
@@ -638,7 +643,7 @@
               <a:rPr lang="en-US" smtClean="0"/>
               <a:t>‹#›</a:t>
             </a:fld>
-            <a:endParaRPr lang="en-US"/>
+            <a:endParaRPr lang="en-US" dirty="0"/>
           </a:p>
         </p:txBody>
       </p:sp>
@@ -786,9 +791,9 @@
           <a:p>
             <a:fld id="{5F148F3B-C8A6-4795-B810-D84C619C43F8}" type="datetimeFigureOut">
               <a:rPr lang="en-US" smtClean="0"/>
-              <a:t>8/8/2018</a:t>
+              <a:t>8/9/2018</a:t>
             </a:fld>
-            <a:endParaRPr lang="en-US"/>
+            <a:endParaRPr lang="en-US" dirty="0"/>
           </a:p>
         </p:txBody>
       </p:sp>
@@ -807,7 +812,7 @@
           <a:bodyPr/>
           <a:lstStyle/>
           <a:p>
-            <a:endParaRPr lang="en-US"/>
+            <a:endParaRPr lang="en-US" dirty="0"/>
           </a:p>
         </p:txBody>
       </p:sp>
@@ -830,7 +835,7 @@
               <a:rPr lang="en-US" smtClean="0"/>
               <a:t>‹#›</a:t>
             </a:fld>
-            <a:endParaRPr lang="en-US"/>
+            <a:endParaRPr lang="en-US" dirty="0"/>
           </a:p>
         </p:txBody>
       </p:sp>
@@ -1047,9 +1052,9 @@
           <a:p>
             <a:fld id="{5F148F3B-C8A6-4795-B810-D84C619C43F8}" type="datetimeFigureOut">
               <a:rPr lang="en-US" smtClean="0"/>
-              <a:t>8/8/2018</a:t>
+              <a:t>8/9/2018</a:t>
             </a:fld>
-            <a:endParaRPr lang="en-US"/>
+            <a:endParaRPr lang="en-US" dirty="0"/>
           </a:p>
         </p:txBody>
       </p:sp>
@@ -1068,7 +1073,7 @@
           <a:bodyPr/>
           <a:lstStyle/>
           <a:p>
-            <a:endParaRPr lang="en-US"/>
+            <a:endParaRPr lang="en-US" dirty="0"/>
           </a:p>
         </p:txBody>
       </p:sp>
@@ -1091,7 +1096,7 @@
               <a:rPr lang="en-US" smtClean="0"/>
               <a:t>‹#›</a:t>
             </a:fld>
-            <a:endParaRPr lang="en-US"/>
+            <a:endParaRPr lang="en-US" dirty="0"/>
           </a:p>
         </p:txBody>
       </p:sp>
@@ -1471,9 +1476,9 @@
           <a:p>
             <a:fld id="{5F148F3B-C8A6-4795-B810-D84C619C43F8}" type="datetimeFigureOut">
               <a:rPr lang="en-US" smtClean="0"/>
-              <a:t>8/8/2018</a:t>
+              <a:t>8/9/2018</a:t>
             </a:fld>
-            <a:endParaRPr lang="en-US"/>
+            <a:endParaRPr lang="en-US" dirty="0"/>
           </a:p>
         </p:txBody>
       </p:sp>
@@ -1492,7 +1497,7 @@
           <a:bodyPr/>
           <a:lstStyle/>
           <a:p>
-            <a:endParaRPr lang="en-US"/>
+            <a:endParaRPr lang="en-US" dirty="0"/>
           </a:p>
         </p:txBody>
       </p:sp>
@@ -1515,7 +1520,7 @@
               <a:rPr lang="en-US" smtClean="0"/>
               <a:t>‹#›</a:t>
             </a:fld>
-            <a:endParaRPr lang="en-US"/>
+            <a:endParaRPr lang="en-US" dirty="0"/>
           </a:p>
         </p:txBody>
       </p:sp>
@@ -2008,9 +2013,9 @@
           <a:p>
             <a:fld id="{5F148F3B-C8A6-4795-B810-D84C619C43F8}" type="datetimeFigureOut">
               <a:rPr lang="en-US" smtClean="0"/>
-              <a:t>8/8/2018</a:t>
+              <a:t>8/9/2018</a:t>
             </a:fld>
-            <a:endParaRPr lang="en-US"/>
+            <a:endParaRPr lang="en-US" dirty="0"/>
           </a:p>
         </p:txBody>
       </p:sp>
@@ -2029,7 +2034,7 @@
           <a:bodyPr/>
           <a:lstStyle/>
           <a:p>
-            <a:endParaRPr lang="en-US"/>
+            <a:endParaRPr lang="en-US" dirty="0"/>
           </a:p>
         </p:txBody>
       </p:sp>
@@ -2052,7 +2057,7 @@
               <a:rPr lang="en-US" smtClean="0"/>
               <a:t>‹#›</a:t>
             </a:fld>
-            <a:endParaRPr lang="en-US"/>
+            <a:endParaRPr lang="en-US" dirty="0"/>
           </a:p>
         </p:txBody>
       </p:sp>
@@ -2347,10 +2352,9 @@
           </a:lstStyle>
           <a:p>
             <a:r>
-              <a:rPr lang="en-US"/>
+              <a:rPr lang="en-US" dirty="0"/>
               <a:t>Click icon to add picture</a:t>
             </a:r>
-            <a:endParaRPr lang="en-US" dirty="0"/>
           </a:p>
         </p:txBody>
       </p:sp>
@@ -2564,10 +2568,9 @@
           </a:lstStyle>
           <a:p>
             <a:r>
-              <a:rPr lang="en-US"/>
+              <a:rPr lang="en-US" dirty="0"/>
               <a:t>Click icon to add picture</a:t>
             </a:r>
-            <a:endParaRPr lang="en-US" dirty="0"/>
           </a:p>
         </p:txBody>
       </p:sp>
@@ -2781,10 +2784,9 @@
           </a:lstStyle>
           <a:p>
             <a:r>
-              <a:rPr lang="en-US"/>
+              <a:rPr lang="en-US" dirty="0"/>
               <a:t>Click icon to add picture</a:t>
             </a:r>
-            <a:endParaRPr lang="en-US" dirty="0"/>
           </a:p>
         </p:txBody>
       </p:sp>
@@ -2872,9 +2874,9 @@
           <a:p>
             <a:fld id="{5F148F3B-C8A6-4795-B810-D84C619C43F8}" type="datetimeFigureOut">
               <a:rPr lang="en-US" smtClean="0"/>
-              <a:t>8/8/2018</a:t>
+              <a:t>8/9/2018</a:t>
             </a:fld>
-            <a:endParaRPr lang="en-US"/>
+            <a:endParaRPr lang="en-US" dirty="0"/>
           </a:p>
         </p:txBody>
       </p:sp>
@@ -2893,7 +2895,7 @@
           <a:bodyPr/>
           <a:lstStyle/>
           <a:p>
-            <a:endParaRPr lang="en-US"/>
+            <a:endParaRPr lang="en-US" dirty="0"/>
           </a:p>
         </p:txBody>
       </p:sp>
@@ -2916,7 +2918,7 @@
               <a:rPr lang="en-US" smtClean="0"/>
               <a:t>‹#›</a:t>
             </a:fld>
-            <a:endParaRPr lang="en-US"/>
+            <a:endParaRPr lang="en-US" dirty="0"/>
           </a:p>
         </p:txBody>
       </p:sp>
@@ -3042,9 +3044,9 @@
           <a:p>
             <a:fld id="{5F148F3B-C8A6-4795-B810-D84C619C43F8}" type="datetimeFigureOut">
               <a:rPr lang="en-US" smtClean="0"/>
-              <a:t>8/8/2018</a:t>
+              <a:t>8/9/2018</a:t>
             </a:fld>
-            <a:endParaRPr lang="en-US"/>
+            <a:endParaRPr lang="en-US" dirty="0"/>
           </a:p>
         </p:txBody>
       </p:sp>
@@ -3063,7 +3065,7 @@
           <a:bodyPr/>
           <a:lstStyle/>
           <a:p>
-            <a:endParaRPr lang="en-US"/>
+            <a:endParaRPr lang="en-US" dirty="0"/>
           </a:p>
         </p:txBody>
       </p:sp>
@@ -3086,7 +3088,7 @@
               <a:rPr lang="en-US" smtClean="0"/>
               <a:t>‹#›</a:t>
             </a:fld>
-            <a:endParaRPr lang="en-US"/>
+            <a:endParaRPr lang="en-US" dirty="0"/>
           </a:p>
         </p:txBody>
       </p:sp>
@@ -3226,9 +3228,9 @@
           <a:p>
             <a:fld id="{5F148F3B-C8A6-4795-B810-D84C619C43F8}" type="datetimeFigureOut">
               <a:rPr lang="en-US" smtClean="0"/>
-              <a:t>8/8/2018</a:t>
+              <a:t>8/9/2018</a:t>
             </a:fld>
-            <a:endParaRPr lang="en-US"/>
+            <a:endParaRPr lang="en-US" dirty="0"/>
           </a:p>
         </p:txBody>
       </p:sp>
@@ -3247,7 +3249,7 @@
           <a:bodyPr/>
           <a:lstStyle/>
           <a:p>
-            <a:endParaRPr lang="en-US"/>
+            <a:endParaRPr lang="en-US" dirty="0"/>
           </a:p>
         </p:txBody>
       </p:sp>
@@ -3270,7 +3272,7 @@
               <a:rPr lang="en-US" smtClean="0"/>
               <a:t>‹#›</a:t>
             </a:fld>
-            <a:endParaRPr lang="en-US"/>
+            <a:endParaRPr lang="en-US" dirty="0"/>
           </a:p>
         </p:txBody>
       </p:sp>
@@ -3396,9 +3398,9 @@
           <a:p>
             <a:fld id="{5F148F3B-C8A6-4795-B810-D84C619C43F8}" type="datetimeFigureOut">
               <a:rPr lang="en-US" smtClean="0"/>
-              <a:t>8/8/2018</a:t>
+              <a:t>8/9/2018</a:t>
             </a:fld>
-            <a:endParaRPr lang="en-US"/>
+            <a:endParaRPr lang="en-US" dirty="0"/>
           </a:p>
         </p:txBody>
       </p:sp>
@@ -3417,7 +3419,7 @@
           <a:bodyPr/>
           <a:lstStyle/>
           <a:p>
-            <a:endParaRPr lang="en-US"/>
+            <a:endParaRPr lang="en-US" dirty="0"/>
           </a:p>
         </p:txBody>
       </p:sp>
@@ -3440,7 +3442,7 @@
               <a:rPr lang="en-US" smtClean="0"/>
               <a:t>‹#›</a:t>
             </a:fld>
-            <a:endParaRPr lang="en-US"/>
+            <a:endParaRPr lang="en-US" dirty="0"/>
           </a:p>
         </p:txBody>
       </p:sp>
@@ -3640,9 +3642,9 @@
           <a:p>
             <a:fld id="{5F148F3B-C8A6-4795-B810-D84C619C43F8}" type="datetimeFigureOut">
               <a:rPr lang="en-US" smtClean="0"/>
-              <a:t>8/8/2018</a:t>
+              <a:t>8/9/2018</a:t>
             </a:fld>
-            <a:endParaRPr lang="en-US"/>
+            <a:endParaRPr lang="en-US" dirty="0"/>
           </a:p>
         </p:txBody>
       </p:sp>
@@ -3661,7 +3663,7 @@
           <a:bodyPr/>
           <a:lstStyle/>
           <a:p>
-            <a:endParaRPr lang="en-US"/>
+            <a:endParaRPr lang="en-US" dirty="0"/>
           </a:p>
         </p:txBody>
       </p:sp>
@@ -3684,7 +3686,7 @@
               <a:rPr lang="en-US" smtClean="0"/>
               <a:t>‹#›</a:t>
             </a:fld>
-            <a:endParaRPr lang="en-US"/>
+            <a:endParaRPr lang="en-US" dirty="0"/>
           </a:p>
         </p:txBody>
       </p:sp>
@@ -3876,9 +3878,9 @@
           <a:p>
             <a:fld id="{5F148F3B-C8A6-4795-B810-D84C619C43F8}" type="datetimeFigureOut">
               <a:rPr lang="en-US" smtClean="0"/>
-              <a:t>8/8/2018</a:t>
+              <a:t>8/9/2018</a:t>
             </a:fld>
-            <a:endParaRPr lang="en-US"/>
+            <a:endParaRPr lang="en-US" dirty="0"/>
           </a:p>
         </p:txBody>
       </p:sp>
@@ -3897,7 +3899,7 @@
           <a:bodyPr/>
           <a:lstStyle/>
           <a:p>
-            <a:endParaRPr lang="en-US"/>
+            <a:endParaRPr lang="en-US" dirty="0"/>
           </a:p>
         </p:txBody>
       </p:sp>
@@ -3920,7 +3922,7 @@
               <a:rPr lang="en-US" smtClean="0"/>
               <a:t>‹#›</a:t>
             </a:fld>
-            <a:endParaRPr lang="en-US"/>
+            <a:endParaRPr lang="en-US" dirty="0"/>
           </a:p>
         </p:txBody>
       </p:sp>
@@ -4342,9 +4344,9 @@
           <a:p>
             <a:fld id="{5F148F3B-C8A6-4795-B810-D84C619C43F8}" type="datetimeFigureOut">
               <a:rPr lang="en-US" smtClean="0"/>
-              <a:t>8/8/2018</a:t>
+              <a:t>8/9/2018</a:t>
             </a:fld>
-            <a:endParaRPr lang="en-US"/>
+            <a:endParaRPr lang="en-US" dirty="0"/>
           </a:p>
         </p:txBody>
       </p:sp>
@@ -4363,7 +4365,7 @@
           <a:bodyPr/>
           <a:lstStyle/>
           <a:p>
-            <a:endParaRPr lang="en-US"/>
+            <a:endParaRPr lang="en-US" dirty="0"/>
           </a:p>
         </p:txBody>
       </p:sp>
@@ -4386,7 +4388,7 @@
               <a:rPr lang="en-US" smtClean="0"/>
               <a:t>‹#›</a:t>
             </a:fld>
-            <a:endParaRPr lang="en-US"/>
+            <a:endParaRPr lang="en-US" dirty="0"/>
           </a:p>
         </p:txBody>
       </p:sp>
@@ -4460,9 +4462,9 @@
           <a:p>
             <a:fld id="{5F148F3B-C8A6-4795-B810-D84C619C43F8}" type="datetimeFigureOut">
               <a:rPr lang="en-US" smtClean="0"/>
-              <a:t>8/8/2018</a:t>
+              <a:t>8/9/2018</a:t>
             </a:fld>
-            <a:endParaRPr lang="en-US"/>
+            <a:endParaRPr lang="en-US" dirty="0"/>
           </a:p>
         </p:txBody>
       </p:sp>
@@ -4481,7 +4483,7 @@
           <a:bodyPr/>
           <a:lstStyle/>
           <a:p>
-            <a:endParaRPr lang="en-US"/>
+            <a:endParaRPr lang="en-US" dirty="0"/>
           </a:p>
         </p:txBody>
       </p:sp>
@@ -4504,7 +4506,7 @@
               <a:rPr lang="en-US" smtClean="0"/>
               <a:t>‹#›</a:t>
             </a:fld>
-            <a:endParaRPr lang="en-US"/>
+            <a:endParaRPr lang="en-US" dirty="0"/>
           </a:p>
         </p:txBody>
       </p:sp>
@@ -4555,9 +4557,9 @@
           <a:p>
             <a:fld id="{5F148F3B-C8A6-4795-B810-D84C619C43F8}" type="datetimeFigureOut">
               <a:rPr lang="en-US" smtClean="0"/>
-              <a:t>8/8/2018</a:t>
+              <a:t>8/9/2018</a:t>
             </a:fld>
-            <a:endParaRPr lang="en-US"/>
+            <a:endParaRPr lang="en-US" dirty="0"/>
           </a:p>
         </p:txBody>
       </p:sp>
@@ -4576,7 +4578,7 @@
           <a:bodyPr/>
           <a:lstStyle/>
           <a:p>
-            <a:endParaRPr lang="en-US"/>
+            <a:endParaRPr lang="en-US" dirty="0"/>
           </a:p>
         </p:txBody>
       </p:sp>
@@ -4599,7 +4601,7 @@
               <a:rPr lang="en-US" smtClean="0"/>
               <a:t>‹#›</a:t>
             </a:fld>
-            <a:endParaRPr lang="en-US"/>
+            <a:endParaRPr lang="en-US" dirty="0"/>
           </a:p>
         </p:txBody>
       </p:sp>
@@ -4810,9 +4812,9 @@
           <a:p>
             <a:fld id="{5F148F3B-C8A6-4795-B810-D84C619C43F8}" type="datetimeFigureOut">
               <a:rPr lang="en-US" smtClean="0"/>
-              <a:t>8/8/2018</a:t>
+              <a:t>8/9/2018</a:t>
             </a:fld>
-            <a:endParaRPr lang="en-US"/>
+            <a:endParaRPr lang="en-US" dirty="0"/>
           </a:p>
         </p:txBody>
       </p:sp>
@@ -4831,7 +4833,7 @@
           <a:bodyPr/>
           <a:lstStyle/>
           <a:p>
-            <a:endParaRPr lang="en-US"/>
+            <a:endParaRPr lang="en-US" dirty="0"/>
           </a:p>
         </p:txBody>
       </p:sp>
@@ -4854,7 +4856,7 @@
               <a:rPr lang="en-US" smtClean="0"/>
               <a:t>‹#›</a:t>
             </a:fld>
-            <a:endParaRPr lang="en-US"/>
+            <a:endParaRPr lang="en-US" dirty="0"/>
           </a:p>
         </p:txBody>
       </p:sp>
@@ -5019,10 +5021,9 @@
           </a:lstStyle>
           <a:p>
             <a:r>
-              <a:rPr lang="en-US"/>
+              <a:rPr lang="en-US" dirty="0"/>
               <a:t>Click icon to add picture</a:t>
             </a:r>
-            <a:endParaRPr lang="en-US" dirty="0"/>
           </a:p>
         </p:txBody>
       </p:sp>
@@ -5110,9 +5111,9 @@
           <a:p>
             <a:fld id="{5F148F3B-C8A6-4795-B810-D84C619C43F8}" type="datetimeFigureOut">
               <a:rPr lang="en-US" smtClean="0"/>
-              <a:t>8/8/2018</a:t>
+              <a:t>8/9/2018</a:t>
             </a:fld>
-            <a:endParaRPr lang="en-US"/>
+            <a:endParaRPr lang="en-US" dirty="0"/>
           </a:p>
         </p:txBody>
       </p:sp>
@@ -5131,7 +5132,7 @@
           <a:bodyPr/>
           <a:lstStyle/>
           <a:p>
-            <a:endParaRPr lang="en-US"/>
+            <a:endParaRPr lang="en-US" dirty="0"/>
           </a:p>
         </p:txBody>
       </p:sp>
@@ -5154,7 +5155,7 @@
               <a:rPr lang="en-US" smtClean="0"/>
               <a:t>‹#›</a:t>
             </a:fld>
-            <a:endParaRPr lang="en-US"/>
+            <a:endParaRPr lang="en-US" dirty="0"/>
           </a:p>
         </p:txBody>
       </p:sp>
@@ -5344,9 +5345,9 @@
           <a:p>
             <a:fld id="{5F148F3B-C8A6-4795-B810-D84C619C43F8}" type="datetimeFigureOut">
               <a:rPr lang="en-US" smtClean="0"/>
-              <a:t>8/8/2018</a:t>
+              <a:t>8/9/2018</a:t>
             </a:fld>
-            <a:endParaRPr lang="en-US"/>
+            <a:endParaRPr lang="en-US" dirty="0"/>
           </a:p>
         </p:txBody>
       </p:sp>
@@ -5390,7 +5391,7 @@
             </a:lvl1pPr>
           </a:lstStyle>
           <a:p>
-            <a:endParaRPr lang="en-US"/>
+            <a:endParaRPr lang="en-US" dirty="0"/>
           </a:p>
         </p:txBody>
       </p:sp>
@@ -5438,7 +5439,7 @@
               <a:rPr lang="en-US" smtClean="0"/>
               <a:t>‹#›</a:t>
             </a:fld>
-            <a:endParaRPr lang="en-US"/>
+            <a:endParaRPr lang="en-US" dirty="0"/>
           </a:p>
         </p:txBody>
       </p:sp>
@@ -6182,7 +6183,7 @@
             <a:pPr lvl="1"/>
             <a:r>
               <a:rPr lang="en-US" dirty="0"/>
-              <a:t>Examined Ride Data between 2015-2017 (&gt;100G)</a:t>
+              <a:t>Examined Over 820 Million Rides between 2015-2017 (&gt;100GB) </a:t>
             </a:r>
           </a:p>
           <a:p>
@@ -6201,13 +6202,13 @@
           <a:p>
             <a:r>
               <a:rPr lang="en-US" dirty="0"/>
-              <a:t>Model</a:t>
+              <a:t>Model Forecasts</a:t>
             </a:r>
           </a:p>
           <a:p>
             <a:r>
               <a:rPr lang="en-US" dirty="0"/>
-              <a:t>Conclusions</a:t>
+              <a:t>Conclusions &amp; Policy Implications </a:t>
             </a:r>
           </a:p>
           <a:p>
@@ -6530,22 +6531,243 @@
             <p:ph type="title"/>
           </p:nvPr>
         </p:nvSpPr>
-        <p:spPr/>
+        <p:spPr>
+          <a:xfrm>
+            <a:off x="-1" y="0"/>
+            <a:ext cx="12274475" cy="970450"/>
+          </a:xfrm>
+        </p:spPr>
         <p:txBody>
           <a:bodyPr/>
           <a:lstStyle/>
           <a:p>
             <a:r>
               <a:rPr lang="en-US" dirty="0"/>
-              <a:t>Model</a:t>
-            </a:r>
-          </a:p>
-        </p:txBody>
-      </p:sp>
+              <a:t>Model Forecasts</a:t>
+            </a:r>
+          </a:p>
+        </p:txBody>
+      </p:sp>
+      <p:pic>
+        <p:nvPicPr>
+          <p:cNvPr id="8" name="Picture 7">
+            <a:extLst>
+              <a:ext uri="{FF2B5EF4-FFF2-40B4-BE49-F238E27FC236}">
+                <a16:creationId xmlns:a16="http://schemas.microsoft.com/office/drawing/2014/main" id="{AB44C79A-FB22-4B46-9562-B49BE6561081}"/>
+              </a:ext>
+            </a:extLst>
+          </p:cNvPr>
+          <p:cNvPicPr>
+            <a:picLocks noChangeAspect="1"/>
+          </p:cNvPicPr>
+          <p:nvPr/>
+        </p:nvPicPr>
+        <p:blipFill>
+          <a:blip r:embed="rId2">
+            <a:extLst>
+              <a:ext uri="{28A0092B-C50C-407E-A947-70E740481C1C}">
+                <a14:useLocalDpi xmlns:a14="http://schemas.microsoft.com/office/drawing/2010/main" val="0"/>
+              </a:ext>
+            </a:extLst>
+          </a:blip>
+          <a:stretch>
+            <a:fillRect/>
+          </a:stretch>
+        </p:blipFill>
+        <p:spPr>
+          <a:xfrm>
+            <a:off x="615192" y="970450"/>
+            <a:ext cx="4865615" cy="2888486"/>
+          </a:xfrm>
+          <a:prstGeom prst="rect">
+            <a:avLst/>
+          </a:prstGeom>
+        </p:spPr>
+      </p:pic>
+      <p:pic>
+        <p:nvPicPr>
+          <p:cNvPr id="12" name="Picture 11">
+            <a:extLst>
+              <a:ext uri="{FF2B5EF4-FFF2-40B4-BE49-F238E27FC236}">
+                <a16:creationId xmlns:a16="http://schemas.microsoft.com/office/drawing/2014/main" id="{991A6682-440A-43AA-98C7-43DC28DD9861}"/>
+              </a:ext>
+            </a:extLst>
+          </p:cNvPr>
+          <p:cNvPicPr>
+            <a:picLocks noChangeAspect="1"/>
+          </p:cNvPicPr>
+          <p:nvPr/>
+        </p:nvPicPr>
+        <p:blipFill>
+          <a:blip r:embed="rId3">
+            <a:extLst>
+              <a:ext uri="{28A0092B-C50C-407E-A947-70E740481C1C}">
+                <a14:useLocalDpi xmlns:a14="http://schemas.microsoft.com/office/drawing/2010/main" val="0"/>
+              </a:ext>
+            </a:extLst>
+          </a:blip>
+          <a:stretch>
+            <a:fillRect/>
+          </a:stretch>
+        </p:blipFill>
+        <p:spPr>
+          <a:xfrm>
+            <a:off x="6711195" y="1025739"/>
+            <a:ext cx="4865615" cy="2888486"/>
+          </a:xfrm>
+          <a:prstGeom prst="rect">
+            <a:avLst/>
+          </a:prstGeom>
+        </p:spPr>
+      </p:pic>
+      <p:pic>
+        <p:nvPicPr>
+          <p:cNvPr id="14" name="Picture 13">
+            <a:extLst>
+              <a:ext uri="{FF2B5EF4-FFF2-40B4-BE49-F238E27FC236}">
+                <a16:creationId xmlns:a16="http://schemas.microsoft.com/office/drawing/2014/main" id="{4F004A3C-2F70-4E47-8B7D-C91B73929492}"/>
+              </a:ext>
+            </a:extLst>
+          </p:cNvPr>
+          <p:cNvPicPr>
+            <a:picLocks noChangeAspect="1"/>
+          </p:cNvPicPr>
+          <p:nvPr/>
+        </p:nvPicPr>
+        <p:blipFill>
+          <a:blip r:embed="rId4">
+            <a:extLst>
+              <a:ext uri="{28A0092B-C50C-407E-A947-70E740481C1C}">
+                <a14:useLocalDpi xmlns:a14="http://schemas.microsoft.com/office/drawing/2010/main" val="0"/>
+              </a:ext>
+            </a:extLst>
+          </a:blip>
+          <a:stretch>
+            <a:fillRect/>
+          </a:stretch>
+        </p:blipFill>
+        <p:spPr>
+          <a:xfrm>
+            <a:off x="3601673" y="3963983"/>
+            <a:ext cx="4865615" cy="2888486"/>
+          </a:xfrm>
+          <a:prstGeom prst="rect">
+            <a:avLst/>
+          </a:prstGeom>
+        </p:spPr>
+      </p:pic>
     </p:spTree>
     <p:extLst>
       <p:ext uri="{BB962C8B-B14F-4D97-AF65-F5344CB8AC3E}">
         <p14:creationId xmlns:p14="http://schemas.microsoft.com/office/powerpoint/2010/main" val="4165920803"/>
+      </p:ext>
+    </p:extLst>
+  </p:cSld>
+  <p:clrMapOvr>
+    <a:masterClrMapping/>
+  </p:clrMapOvr>
+</p:sld>
+</file>
+
+<file path=ppt/slides/slide6.xml><?xml version="1.0" encoding="utf-8"?>
+<p:sld xmlns:a="http://schemas.openxmlformats.org/drawingml/2006/main" xmlns:r="http://schemas.openxmlformats.org/officeDocument/2006/relationships" xmlns:p="http://schemas.openxmlformats.org/presentationml/2006/main">
+  <p:cSld>
+    <p:spTree>
+      <p:nvGrpSpPr>
+        <p:cNvPr id="1" name=""/>
+        <p:cNvGrpSpPr/>
+        <p:nvPr/>
+      </p:nvGrpSpPr>
+      <p:grpSpPr>
+        <a:xfrm>
+          <a:off x="0" y="0"/>
+          <a:ext cx="0" cy="0"/>
+          <a:chOff x="0" y="0"/>
+          <a:chExt cx="0" cy="0"/>
+        </a:xfrm>
+      </p:grpSpPr>
+      <p:sp>
+        <p:nvSpPr>
+          <p:cNvPr id="2" name="Title 1">
+            <a:extLst>
+              <a:ext uri="{FF2B5EF4-FFF2-40B4-BE49-F238E27FC236}">
+                <a16:creationId xmlns:a16="http://schemas.microsoft.com/office/drawing/2014/main" id="{4C33159D-5339-460A-9142-5EE293F62640}"/>
+              </a:ext>
+            </a:extLst>
+          </p:cNvPr>
+          <p:cNvSpPr>
+            <a:spLocks noGrp="1"/>
+          </p:cNvSpPr>
+          <p:nvPr>
+            <p:ph type="title"/>
+          </p:nvPr>
+        </p:nvSpPr>
+        <p:spPr/>
+        <p:txBody>
+          <a:bodyPr/>
+          <a:lstStyle/>
+          <a:p>
+            <a:r>
+              <a:rPr lang="en-US" dirty="0"/>
+              <a:t>Conclusions &amp; Policy Implications</a:t>
+            </a:r>
+          </a:p>
+        </p:txBody>
+      </p:sp>
+      <p:sp>
+        <p:nvSpPr>
+          <p:cNvPr id="3" name="Content Placeholder 2">
+            <a:extLst>
+              <a:ext uri="{FF2B5EF4-FFF2-40B4-BE49-F238E27FC236}">
+                <a16:creationId xmlns:a16="http://schemas.microsoft.com/office/drawing/2014/main" id="{D0CAD07A-8C3E-4CE7-A1CB-BC591F1D53E8}"/>
+              </a:ext>
+            </a:extLst>
+          </p:cNvPr>
+          <p:cNvSpPr>
+            <a:spLocks noGrp="1"/>
+          </p:cNvSpPr>
+          <p:nvPr>
+            <p:ph idx="1"/>
+          </p:nvPr>
+        </p:nvSpPr>
+        <p:spPr/>
+        <p:txBody>
+          <a:bodyPr/>
+          <a:lstStyle/>
+          <a:p>
+            <a:r>
+              <a:rPr lang="en-US"/>
+              <a:t>The first half of 2018 should be a relatively modest increase for all three services.</a:t>
+            </a:r>
+          </a:p>
+          <a:p>
+            <a:r>
+              <a:rPr lang="en-US"/>
+              <a:t>Ridesharing </a:t>
+            </a:r>
+            <a:r>
+              <a:rPr lang="en-US" dirty="0"/>
+              <a:t>is consuming some market share from both Yellow and Green Cabs, but ridesharing appears to be growing the market more than taking from either cabs.</a:t>
+            </a:r>
+          </a:p>
+          <a:p>
+            <a:r>
+              <a:rPr lang="en-US" dirty="0"/>
+              <a:t>Further studies will need to determine if the growth of ridesharing is leading to more congestion on NYC streets, and to understand if ridesharing is replacing public transportation utilization in the marketplace.</a:t>
+            </a:r>
+          </a:p>
+          <a:p>
+            <a:r>
+              <a:rPr lang="en-US" dirty="0"/>
+              <a:t>Better ridesharing data capture should be implemented as this data is available and data files should be compressed where appropriate.</a:t>
+            </a:r>
+          </a:p>
+        </p:txBody>
+      </p:sp>
+    </p:spTree>
+    <p:extLst>
+      <p:ext uri="{BB962C8B-B14F-4D97-AF65-F5344CB8AC3E}">
+        <p14:creationId xmlns:p14="http://schemas.microsoft.com/office/powerpoint/2010/main" val="1927455170"/>
       </p:ext>
     </p:extLst>
   </p:cSld>
